--- a/templateProt.pptx
+++ b/templateProt.pptx
@@ -215,7 +215,7 @@
           <a:p>
             <a:fld id="{468012B1-E1DC-4352-8B1C-5C2DD5160B3B}" type="datetimeFigureOut">
               <a:rPr lang="en-US" smtClean="0"/>
-              <a:t>04-Dec-19</a:t>
+              <a:t>12-Dec-19</a:t>
             </a:fld>
             <a:endParaRPr lang="en-US"/>
           </a:p>
@@ -392,7 +392,7 @@
           <a:p>
             <a:fld id="{F3696079-EBA5-8C41-96F3-032D52D44482}" type="datetimeFigureOut">
               <a:rPr lang="en-US" smtClean="0"/>
-              <a:t>04-Dec-19</a:t>
+              <a:t>12-Dec-19</a:t>
             </a:fld>
             <a:endParaRPr lang="en-US"/>
           </a:p>
@@ -1088,6 +1088,58 @@
       </p:grpSpPr>
       <p:sp>
         <p:nvSpPr>
+          <p:cNvPr id="4" name="Rectangle 3">
+            <a:extLst>
+              <a:ext uri="{FF2B5EF4-FFF2-40B4-BE49-F238E27FC236}">
+                <a16:creationId xmlns:a16="http://schemas.microsoft.com/office/drawing/2014/main" id="{F427FD6E-D029-428A-837A-ED50FCC0F1C8}"/>
+              </a:ext>
+            </a:extLst>
+          </p:cNvPr>
+          <p:cNvSpPr/>
+          <p:nvPr userDrawn="1"/>
+        </p:nvSpPr>
+        <p:spPr>
+          <a:xfrm>
+            <a:off x="0" y="0"/>
+            <a:ext cx="12192000" cy="6858000"/>
+          </a:xfrm>
+          <a:prstGeom prst="rect">
+            <a:avLst/>
+          </a:prstGeom>
+          <a:solidFill>
+            <a:srgbClr val="FFC000"/>
+          </a:solidFill>
+          <a:ln>
+            <a:noFill/>
+          </a:ln>
+        </p:spPr>
+        <p:style>
+          <a:lnRef idx="2">
+            <a:schemeClr val="accent1">
+              <a:shade val="50000"/>
+            </a:schemeClr>
+          </a:lnRef>
+          <a:fillRef idx="1">
+            <a:schemeClr val="accent1"/>
+          </a:fillRef>
+          <a:effectRef idx="0">
+            <a:schemeClr val="accent1"/>
+          </a:effectRef>
+          <a:fontRef idx="minor">
+            <a:schemeClr val="lt1"/>
+          </a:fontRef>
+        </p:style>
+        <p:txBody>
+          <a:bodyPr rtlCol="0" anchor="ctr"/>
+          <a:lstStyle/>
+          <a:p>
+            <a:pPr algn="ctr"/>
+            <a:endParaRPr lang="en-US"/>
+          </a:p>
+        </p:txBody>
+      </p:sp>
+      <p:sp>
+        <p:nvSpPr>
           <p:cNvPr id="2" name="Title 1"/>
           <p:cNvSpPr>
             <a:spLocks noGrp="1"/>
@@ -1098,15 +1150,21 @@
         </p:nvSpPr>
         <p:spPr>
           <a:xfrm>
-            <a:off x="2015138" y="1709738"/>
-            <a:ext cx="9626226" cy="1255135"/>
+            <a:off x="498764" y="1709738"/>
+            <a:ext cx="11142600" cy="3046989"/>
           </a:xfrm>
         </p:spPr>
         <p:txBody>
-          <a:bodyPr anchor="b"/>
+          <a:bodyPr anchor="b">
+            <a:noAutofit/>
+          </a:bodyPr>
           <a:lstStyle>
             <a:lvl1pPr algn="ctr">
-              <a:defRPr sz="6000"/>
+              <a:defRPr sz="7200">
+                <a:solidFill>
+                  <a:srgbClr val="FFFFFF"/>
+                </a:solidFill>
+              </a:defRPr>
             </a:lvl1pPr>
           </a:lstStyle>
           <a:p>
@@ -1129,19 +1187,22 @@
         </p:nvSpPr>
         <p:spPr>
           <a:xfrm>
-            <a:off x="2015136" y="2964873"/>
-            <a:ext cx="9626228" cy="3124777"/>
+            <a:off x="2015136" y="5033818"/>
+            <a:ext cx="9626228" cy="1055832"/>
           </a:xfrm>
         </p:spPr>
         <p:txBody>
-          <a:bodyPr/>
+          <a:bodyPr>
+            <a:normAutofit/>
+          </a:bodyPr>
           <a:lstStyle>
             <a:lvl1pPr marL="0" indent="0">
               <a:buNone/>
-              <a:defRPr sz="2400">
+              <a:defRPr sz="3600">
                 <a:solidFill>
                   <a:schemeClr val="tx1">
-                    <a:tint val="75000"/>
+                    <a:lumMod val="20000"/>
+                    <a:lumOff val="80000"/>
                   </a:schemeClr>
                 </a:solidFill>
               </a:defRPr>
